--- a/content/3-cc310/07-searching-sorting/05-binary-slides.pptx
+++ b/content/3-cc310/07-searching-sorting/05-binary-slides.pptx
@@ -5719,9 +5719,7 @@
     <p:bg>
       <p:bgPr>
         <a:solidFill>
-          <a:schemeClr val="bg1">
-            <a:lumMod val="85000"/>
-          </a:schemeClr>
+          <a:srgbClr val="C0C0C0"/>
         </a:solidFill>
         <a:effectLst/>
       </p:bgPr>
@@ -22621,18 +22619,18 @@
 </file>
 
 <file path=customXml/item1.xml><?xml version="1.0" encoding="utf-8"?>
+<p:properties xmlns:p="http://schemas.microsoft.com/office/2006/metadata/properties" xmlns:xsi="http://www.w3.org/2001/XMLSchema-instance" xmlns:pc="http://schemas.microsoft.com/office/infopath/2007/PartnerControls">
+  <documentManagement/>
+</p:properties>
+</file>
+
+<file path=customXml/item2.xml><?xml version="1.0" encoding="utf-8"?>
 <?mso-contentType ?>
 <FormTemplates xmlns="http://schemas.microsoft.com/sharepoint/v3/contenttype/forms">
   <Display>DocumentLibraryForm</Display>
   <Edit>DocumentLibraryForm</Edit>
   <New>DocumentLibraryForm</New>
 </FormTemplates>
-</file>
-
-<file path=customXml/item2.xml><?xml version="1.0" encoding="utf-8"?>
-<p:properties xmlns:p="http://schemas.microsoft.com/office/2006/metadata/properties" xmlns:xsi="http://www.w3.org/2001/XMLSchema-instance" xmlns:pc="http://schemas.microsoft.com/office/infopath/2007/PartnerControls">
-  <documentManagement/>
-</p:properties>
 </file>
 
 <file path=customXml/item3.xml><?xml version="1.0" encoding="utf-8"?>
@@ -22814,14 +22812,6 @@
 </file>
 
 <file path=customXml/itemProps1.xml><?xml version="1.0" encoding="utf-8"?>
-<ds:datastoreItem xmlns:ds="http://schemas.openxmlformats.org/officeDocument/2006/customXml" ds:itemID="{923228D6-D594-4907-8908-B39BE33AC58C}">
-  <ds:schemaRefs>
-    <ds:schemaRef ds:uri="http://schemas.microsoft.com/sharepoint/v3/contenttype/forms"/>
-  </ds:schemaRefs>
-</ds:datastoreItem>
-</file>
-
-<file path=customXml/itemProps2.xml><?xml version="1.0" encoding="utf-8"?>
 <ds:datastoreItem xmlns:ds="http://schemas.openxmlformats.org/officeDocument/2006/customXml" ds:itemID="{E36B5C00-A49D-4F91-89B2-E9D01A16B433}">
   <ds:schemaRefs>
     <ds:schemaRef ds:uri="http://schemas.microsoft.com/office/2006/metadata/properties"/>
@@ -22833,6 +22823,14 @@
     <ds:schemaRef ds:uri="58c44ba5-51a4-40bc-b9f0-9fe2032e2130"/>
     <ds:schemaRef ds:uri="http://www.w3.org/XML/1998/namespace"/>
     <ds:schemaRef ds:uri="http://purl.org/dc/dcmitype/"/>
+  </ds:schemaRefs>
+</ds:datastoreItem>
+</file>
+
+<file path=customXml/itemProps2.xml><?xml version="1.0" encoding="utf-8"?>
+<ds:datastoreItem xmlns:ds="http://schemas.openxmlformats.org/officeDocument/2006/customXml" ds:itemID="{923228D6-D594-4907-8908-B39BE33AC58C}">
+  <ds:schemaRefs>
+    <ds:schemaRef ds:uri="http://schemas.microsoft.com/sharepoint/v3/contenttype/forms"/>
   </ds:schemaRefs>
 </ds:datastoreItem>
 </file>
